--- a/8_model_selection.pptx
+++ b/8_model_selection.pptx
@@ -143,6 +143,11 @@
       </a:defRPr>
     </a:lvl9pPr>
   </p:defaultTextStyle>
+  <p:extLst>
+    <p:ext uri="{EFAFB233-063F-42B5-8137-9DF3F51BA10A}">
+      <p15:sldGuideLst xmlns:p15="http://schemas.microsoft.com/office/powerpoint/2012/main"/>
+    </p:ext>
+  </p:extLst>
 </p:presentation>
 </file>
 
@@ -868,7 +873,7 @@
           <a:p>
             <a:fld id="{232516A0-792F-406F-ACD8-691D761E061E}" type="datetimeFigureOut">
               <a:rPr lang="zh-CN" altLang="en-US" smtClean="0"/>
-              <a:t>2019/11/9</a:t>
+              <a:t>2019/11/13</a:t>
             </a:fld>
             <a:endParaRPr lang="zh-CN" altLang="en-US"/>
           </a:p>
@@ -1119,7 +1124,7 @@
           <a:p>
             <a:fld id="{232516A0-792F-406F-ACD8-691D761E061E}" type="datetimeFigureOut">
               <a:rPr lang="zh-CN" altLang="en-US" smtClean="0"/>
-              <a:t>2019/11/9</a:t>
+              <a:t>2019/11/13</a:t>
             </a:fld>
             <a:endParaRPr lang="zh-CN" altLang="en-US"/>
           </a:p>
@@ -1433,7 +1438,7 @@
           <a:p>
             <a:fld id="{232516A0-792F-406F-ACD8-691D761E061E}" type="datetimeFigureOut">
               <a:rPr lang="zh-CN" altLang="en-US" smtClean="0"/>
-              <a:t>2019/11/9</a:t>
+              <a:t>2019/11/13</a:t>
             </a:fld>
             <a:endParaRPr lang="zh-CN" altLang="en-US"/>
           </a:p>
@@ -1774,7 +1779,7 @@
           <a:p>
             <a:fld id="{232516A0-792F-406F-ACD8-691D761E061E}" type="datetimeFigureOut">
               <a:rPr lang="zh-CN" altLang="en-US" smtClean="0"/>
-              <a:t>2019/11/9</a:t>
+              <a:t>2019/11/13</a:t>
             </a:fld>
             <a:endParaRPr lang="zh-CN" altLang="en-US"/>
           </a:p>
@@ -2088,7 +2093,7 @@
           <a:p>
             <a:fld id="{232516A0-792F-406F-ACD8-691D761E061E}" type="datetimeFigureOut">
               <a:rPr lang="zh-CN" altLang="en-US" smtClean="0"/>
-              <a:t>2019/11/9</a:t>
+              <a:t>2019/11/13</a:t>
             </a:fld>
             <a:endParaRPr lang="zh-CN" altLang="en-US"/>
           </a:p>
@@ -2481,7 +2486,7 @@
           <a:p>
             <a:fld id="{232516A0-792F-406F-ACD8-691D761E061E}" type="datetimeFigureOut">
               <a:rPr lang="zh-CN" altLang="en-US" smtClean="0"/>
-              <a:t>2019/11/9</a:t>
+              <a:t>2019/11/13</a:t>
             </a:fld>
             <a:endParaRPr lang="zh-CN" altLang="en-US"/>
           </a:p>
@@ -2651,7 +2656,7 @@
           <a:p>
             <a:fld id="{232516A0-792F-406F-ACD8-691D761E061E}" type="datetimeFigureOut">
               <a:rPr lang="zh-CN" altLang="en-US" smtClean="0"/>
-              <a:t>2019/11/9</a:t>
+              <a:t>2019/11/13</a:t>
             </a:fld>
             <a:endParaRPr lang="zh-CN" altLang="en-US"/>
           </a:p>
@@ -2831,7 +2836,7 @@
           <a:p>
             <a:fld id="{232516A0-792F-406F-ACD8-691D761E061E}" type="datetimeFigureOut">
               <a:rPr lang="zh-CN" altLang="en-US" smtClean="0"/>
-              <a:t>2019/11/9</a:t>
+              <a:t>2019/11/13</a:t>
             </a:fld>
             <a:endParaRPr lang="zh-CN" altLang="en-US"/>
           </a:p>
@@ -3007,7 +3012,7 @@
           <a:p>
             <a:fld id="{232516A0-792F-406F-ACD8-691D761E061E}" type="datetimeFigureOut">
               <a:rPr lang="zh-CN" altLang="en-US" smtClean="0"/>
-              <a:t>2019/11/9</a:t>
+              <a:t>2019/11/13</a:t>
             </a:fld>
             <a:endParaRPr lang="zh-CN" altLang="en-US"/>
           </a:p>
@@ -3254,7 +3259,7 @@
           <a:p>
             <a:fld id="{232516A0-792F-406F-ACD8-691D761E061E}" type="datetimeFigureOut">
               <a:rPr lang="zh-CN" altLang="en-US" smtClean="0"/>
-              <a:t>2019/11/9</a:t>
+              <a:t>2019/11/13</a:t>
             </a:fld>
             <a:endParaRPr lang="zh-CN" altLang="en-US"/>
           </a:p>
@@ -3486,7 +3491,7 @@
           <a:p>
             <a:fld id="{232516A0-792F-406F-ACD8-691D761E061E}" type="datetimeFigureOut">
               <a:rPr lang="zh-CN" altLang="en-US" smtClean="0"/>
-              <a:t>2019/11/9</a:t>
+              <a:t>2019/11/13</a:t>
             </a:fld>
             <a:endParaRPr lang="zh-CN" altLang="en-US"/>
           </a:p>
@@ -3860,7 +3865,7 @@
           <a:p>
             <a:fld id="{232516A0-792F-406F-ACD8-691D761E061E}" type="datetimeFigureOut">
               <a:rPr lang="zh-CN" altLang="en-US" smtClean="0"/>
-              <a:t>2019/11/9</a:t>
+              <a:t>2019/11/13</a:t>
             </a:fld>
             <a:endParaRPr lang="zh-CN" altLang="en-US"/>
           </a:p>
@@ -3983,7 +3988,7 @@
           <a:p>
             <a:fld id="{232516A0-792F-406F-ACD8-691D761E061E}" type="datetimeFigureOut">
               <a:rPr lang="zh-CN" altLang="en-US" smtClean="0"/>
-              <a:t>2019/11/9</a:t>
+              <a:t>2019/11/13</a:t>
             </a:fld>
             <a:endParaRPr lang="zh-CN" altLang="en-US"/>
           </a:p>
@@ -4078,7 +4083,7 @@
           <a:p>
             <a:fld id="{232516A0-792F-406F-ACD8-691D761E061E}" type="datetimeFigureOut">
               <a:rPr lang="zh-CN" altLang="en-US" smtClean="0"/>
-              <a:t>2019/11/9</a:t>
+              <a:t>2019/11/13</a:t>
             </a:fld>
             <a:endParaRPr lang="zh-CN" altLang="en-US"/>
           </a:p>
@@ -4333,7 +4338,7 @@
           <a:p>
             <a:fld id="{232516A0-792F-406F-ACD8-691D761E061E}" type="datetimeFigureOut">
               <a:rPr lang="zh-CN" altLang="en-US" smtClean="0"/>
-              <a:t>2019/11/9</a:t>
+              <a:t>2019/11/13</a:t>
             </a:fld>
             <a:endParaRPr lang="zh-CN" altLang="en-US"/>
           </a:p>
@@ -4596,7 +4601,7 @@
           <a:p>
             <a:fld id="{232516A0-792F-406F-ACD8-691D761E061E}" type="datetimeFigureOut">
               <a:rPr lang="zh-CN" altLang="en-US" smtClean="0"/>
-              <a:t>2019/11/9</a:t>
+              <a:t>2019/11/13</a:t>
             </a:fld>
             <a:endParaRPr lang="zh-CN" altLang="en-US"/>
           </a:p>
@@ -5339,7 +5344,7 @@
           <a:p>
             <a:fld id="{232516A0-792F-406F-ACD8-691D761E061E}" type="datetimeFigureOut">
               <a:rPr lang="zh-CN" altLang="en-US" smtClean="0"/>
-              <a:t>2019/11/9</a:t>
+              <a:t>2019/11/13</a:t>
             </a:fld>
             <a:endParaRPr lang="zh-CN" altLang="en-US"/>
           </a:p>
@@ -6903,140 +6908,145 @@
           <a:lstStyle/>
           <a:p>
             <a:r>
-              <a:rPr lang="en-US" altLang="zh-CN" sz="2400"/>
+              <a:rPr lang="en-US" altLang="zh-CN" sz="2400" dirty="0"/>
               <a:t>P</a:t>
             </a:r>
             <a:r>
-              <a:rPr lang="zh-CN" altLang="en-US" sz="2400"/>
+              <a:rPr lang="zh-CN" altLang="en-US" sz="2400" dirty="0"/>
               <a:t>值选模型</a:t>
             </a:r>
             <a:r>
-              <a:rPr lang="en-US" altLang="zh-CN" sz="2400"/>
+              <a:rPr lang="en-US" altLang="zh-CN" sz="2400" dirty="0"/>
               <a:t>:Chi2&gt;T</a:t>
             </a:r>
           </a:p>
           <a:p>
             <a:r>
-              <a:rPr lang="en-US" altLang="zh-CN" sz="2400"/>
+              <a:rPr lang="en-US" altLang="zh-CN" sz="2400" dirty="0"/>
               <a:t>Chi2=2</a:t>
             </a:r>
             <a:r>
-              <a:rPr lang="el-GR" altLang="zh-CN" sz="2400"/>
+              <a:rPr lang="el-GR" altLang="zh-CN" sz="2400" dirty="0"/>
               <a:t>Δ</a:t>
             </a:r>
             <a:r>
-              <a:rPr lang="en-US" altLang="zh-CN" sz="2400"/>
-              <a:t>L</a:t>
-            </a:r>
-          </a:p>
-          <a:p>
-            <a:r>
-              <a:rPr lang="en-US" altLang="zh-CN" sz="2400"/>
+              <a:rPr lang="en-US" altLang="zh-CN" sz="2400" dirty="0"/>
+              <a:t>LL</a:t>
+            </a:r>
+          </a:p>
+          <a:p>
+            <a:r>
+              <a:rPr lang="en-US" altLang="zh-CN" sz="2400" dirty="0"/>
               <a:t>P</a:t>
             </a:r>
             <a:r>
-              <a:rPr lang="zh-CN" altLang="en-US" sz="2400"/>
+              <a:rPr lang="zh-CN" altLang="en-US" sz="2400" dirty="0"/>
               <a:t>值选模型</a:t>
             </a:r>
             <a:r>
-              <a:rPr lang="en-US" altLang="zh-CN" sz="2400"/>
+              <a:rPr lang="en-US" altLang="zh-CN" sz="2400" dirty="0"/>
               <a:t>:2</a:t>
             </a:r>
             <a:r>
-              <a:rPr lang="el-GR" altLang="zh-CN" sz="2400"/>
+              <a:rPr lang="el-GR" altLang="zh-CN" sz="2400" dirty="0"/>
               <a:t>Δ</a:t>
             </a:r>
             <a:r>
-              <a:rPr lang="en-US" altLang="zh-CN" sz="2400"/>
-              <a:t>L&gt;T</a:t>
-            </a:r>
-            <a:r>
-              <a:rPr lang="zh-CN" altLang="en-US" sz="2400"/>
+              <a:rPr lang="en-US" altLang="zh-CN" sz="2400" dirty="0"/>
+              <a:t>LL&gt;T</a:t>
+            </a:r>
+            <a:r>
+              <a:rPr lang="zh-CN" altLang="en-US" sz="2400" dirty="0"/>
               <a:t>。</a:t>
             </a:r>
             <a:r>
-              <a:rPr lang="en-US" altLang="zh-CN" sz="2400"/>
+              <a:rPr lang="en-US" altLang="zh-CN" sz="2400" dirty="0"/>
               <a:t>T</a:t>
             </a:r>
             <a:r>
-              <a:rPr lang="zh-CN" altLang="en-US" sz="2400"/>
+              <a:rPr lang="zh-CN" altLang="en-US" sz="2400" dirty="0"/>
               <a:t>如果等于</a:t>
             </a:r>
             <a:r>
-              <a:rPr lang="en-US" altLang="zh-CN" sz="2400"/>
+              <a:rPr lang="en-US" altLang="zh-CN" sz="2400" dirty="0"/>
               <a:t>2</a:t>
             </a:r>
             <a:r>
-              <a:rPr lang="zh-CN" altLang="en-US" sz="2400"/>
+              <a:rPr lang="zh-CN" altLang="en-US" sz="2400" dirty="0"/>
               <a:t>，其实就是</a:t>
             </a:r>
             <a:r>
-              <a:rPr lang="en-US" altLang="zh-CN" sz="2400"/>
+              <a:rPr lang="en-US" altLang="zh-CN" sz="2400" dirty="0"/>
               <a:t>AIC</a:t>
             </a:r>
             <a:r>
-              <a:rPr lang="zh-CN" altLang="en-US" sz="2400"/>
+              <a:rPr lang="zh-CN" altLang="en-US" sz="2400" dirty="0"/>
               <a:t>模型的一种。</a:t>
             </a:r>
-            <a:endParaRPr lang="en-US" altLang="zh-CN" sz="2400"/>
-          </a:p>
-          <a:p>
-            <a:r>
-              <a:rPr lang="zh-CN" altLang="en-US" sz="2400"/>
+            <a:endParaRPr lang="en-US" altLang="zh-CN" sz="2400" dirty="0"/>
+          </a:p>
+          <a:p>
+            <a:r>
+              <a:rPr lang="zh-CN" altLang="en-US" sz="2400" dirty="0"/>
               <a:t>问题：当样本量巨大的时候，</a:t>
             </a:r>
             <a:r>
-              <a:rPr lang="en-US" altLang="zh-CN" sz="2400"/>
+              <a:rPr lang="en-US" altLang="zh-CN" sz="2400" dirty="0"/>
               <a:t>p</a:t>
             </a:r>
             <a:r>
-              <a:rPr lang="zh-CN" altLang="en-US" sz="2400"/>
+              <a:rPr lang="zh-CN" altLang="en-US" sz="2400" dirty="0"/>
               <a:t>值总是显著的。</a:t>
             </a:r>
-            <a:endParaRPr lang="en-US" altLang="zh-CN" sz="2400"/>
-          </a:p>
-          <a:p>
-            <a:endParaRPr lang="en-US" altLang="zh-CN" sz="2400"/>
-          </a:p>
-          <a:p>
-            <a:r>
-              <a:rPr lang="zh-CN" altLang="en-US" sz="2400"/>
+            <a:endParaRPr lang="en-US" altLang="zh-CN" sz="2400" dirty="0"/>
+          </a:p>
+          <a:p>
+            <a:endParaRPr lang="en-US" altLang="zh-CN" sz="2400" dirty="0"/>
+          </a:p>
+          <a:p>
+            <a:r>
+              <a:rPr lang="zh-CN" altLang="en-US" sz="2400" dirty="0"/>
               <a:t>采用</a:t>
             </a:r>
             <a:r>
-              <a:rPr lang="en-US" altLang="zh-CN" sz="2400"/>
+              <a:rPr lang="en-US" altLang="zh-CN" sz="2400" dirty="0"/>
               <a:t>BIC</a:t>
             </a:r>
             <a:r>
-              <a:rPr lang="zh-CN" altLang="en-US" sz="2400"/>
+              <a:rPr lang="zh-CN" altLang="en-US" sz="2400" dirty="0"/>
               <a:t>得</a:t>
             </a:r>
             <a:r>
-              <a:rPr lang="en-US" altLang="zh-CN" sz="2400"/>
+              <a:rPr lang="en-US" altLang="zh-CN" sz="2400" dirty="0"/>
               <a:t>p</a:t>
             </a:r>
             <a:r>
-              <a:rPr lang="zh-CN" altLang="en-US" sz="2400"/>
+              <a:rPr lang="zh-CN" altLang="en-US" sz="2400" dirty="0"/>
               <a:t>值模型</a:t>
             </a:r>
-            <a:endParaRPr lang="en-US" altLang="zh-CN" sz="2400"/>
-          </a:p>
-          <a:p>
-            <a:r>
-              <a:rPr lang="en-US" altLang="zh-CN" sz="2400"/>
-              <a:t>Chi2&gt;lnN</a:t>
-            </a:r>
-          </a:p>
-          <a:p>
-            <a:r>
-              <a:rPr lang="zh-CN" altLang="en-US" sz="2400"/>
+            <a:endParaRPr lang="en-US" altLang="zh-CN" sz="2400" dirty="0"/>
+          </a:p>
+          <a:p>
+            <a:r>
+              <a:rPr lang="en-US" altLang="zh-CN" sz="2400" dirty="0"/>
+              <a:t>Chi2&gt;</a:t>
+            </a:r>
+            <a:r>
+              <a:rPr lang="en-US" altLang="zh-CN" sz="2400" dirty="0" err="1"/>
+              <a:t>lnN</a:t>
+            </a:r>
+            <a:endParaRPr lang="en-US" altLang="zh-CN" sz="2400" dirty="0"/>
+          </a:p>
+          <a:p>
+            <a:r>
+              <a:rPr lang="zh-CN" altLang="en-US" sz="2400" dirty="0"/>
               <a:t>随着样本量增加，提高阈值。对于小样本，减少阈值</a:t>
             </a:r>
-            <a:endParaRPr lang="en-US" altLang="zh-CN" sz="2400"/>
-          </a:p>
-          <a:p>
-            <a:r>
-              <a:rPr lang="zh-CN" altLang="en-US" sz="2400"/>
+            <a:endParaRPr lang="en-US" altLang="zh-CN" sz="2400" dirty="0"/>
+          </a:p>
+          <a:p>
+            <a:r>
+              <a:rPr lang="zh-CN" altLang="en-US" sz="2400" dirty="0"/>
               <a:t>目前还在思考阶段</a:t>
             </a:r>
           </a:p>
@@ -9259,49 +9269,49 @@
           </a:bodyPr>
           <a:lstStyle/>
           <a:p>
-            <a:endParaRPr lang="en-US" altLang="zh-CN"/>
-          </a:p>
-          <a:p>
-            <a:endParaRPr lang="en-US" altLang="zh-CN"/>
-          </a:p>
-          <a:p>
-            <a:endParaRPr lang="en-US" altLang="zh-CN"/>
-          </a:p>
-          <a:p>
-            <a:endParaRPr lang="en-US" altLang="zh-CN"/>
-          </a:p>
-          <a:p>
-            <a:r>
-              <a:rPr lang="zh-CN" altLang="en-US" sz="2400"/>
+            <a:endParaRPr lang="en-US" altLang="zh-CN" dirty="0"/>
+          </a:p>
+          <a:p>
+            <a:endParaRPr lang="en-US" altLang="zh-CN" dirty="0"/>
+          </a:p>
+          <a:p>
+            <a:endParaRPr lang="en-US" altLang="zh-CN" dirty="0"/>
+          </a:p>
+          <a:p>
+            <a:endParaRPr lang="en-US" altLang="zh-CN" dirty="0"/>
+          </a:p>
+          <a:p>
+            <a:r>
+              <a:rPr lang="zh-CN" altLang="en-US" sz="2400" dirty="0"/>
               <a:t>一般可以</a:t>
             </a:r>
             <a:r>
-              <a:rPr lang="en-US" altLang="zh-CN" sz="2400"/>
+              <a:rPr lang="en-US" altLang="zh-CN" sz="2400" dirty="0"/>
               <a:t>6-2-2</a:t>
             </a:r>
             <a:r>
-              <a:rPr lang="zh-CN" altLang="en-US" sz="2400"/>
+              <a:rPr lang="zh-CN" altLang="en-US" sz="2400" dirty="0"/>
               <a:t>分割，由具体情况决定。</a:t>
             </a:r>
-            <a:endParaRPr lang="en-US" altLang="zh-CN" sz="2400"/>
-          </a:p>
-          <a:p>
-            <a:r>
-              <a:rPr lang="zh-CN" altLang="en-US" sz="2400"/>
-              <a:t>数据现在训练集上训练，在验证集上调试，在测试集上测试。</a:t>
-            </a:r>
-            <a:endParaRPr lang="en-US" altLang="zh-CN" sz="2400"/>
-          </a:p>
-          <a:p>
-            <a:r>
-              <a:rPr lang="zh-CN" altLang="en-US" sz="2400"/>
+            <a:endParaRPr lang="en-US" altLang="zh-CN" sz="2400" dirty="0"/>
+          </a:p>
+          <a:p>
+            <a:r>
+              <a:rPr lang="zh-CN" altLang="en-US" sz="2400" dirty="0"/>
+              <a:t>数据先在训练集上训练，在验证集上调试，在测试集上测试。</a:t>
+            </a:r>
+            <a:endParaRPr lang="en-US" altLang="zh-CN" sz="2400" dirty="0"/>
+          </a:p>
+          <a:p>
+            <a:r>
+              <a:rPr lang="zh-CN" altLang="en-US" sz="2400" dirty="0"/>
               <a:t>测试集数据一定要预先与训练集隔离开。</a:t>
             </a:r>
-            <a:endParaRPr lang="en-US" altLang="zh-CN" sz="2400"/>
-          </a:p>
-          <a:p>
-            <a:r>
-              <a:rPr lang="zh-CN" altLang="en-US" sz="2400"/>
+            <a:endParaRPr lang="en-US" altLang="zh-CN" sz="2400" dirty="0"/>
+          </a:p>
+          <a:p>
+            <a:r>
+              <a:rPr lang="zh-CN" altLang="en-US" sz="2400" dirty="0"/>
               <a:t>很多机器学习失败案例都是由于没有隔离造成的。</a:t>
             </a:r>
           </a:p>
@@ -11500,6 +11510,127 @@
   <p:clrMapOvr>
     <a:masterClrMapping/>
   </p:clrMapOvr>
+  <p:timing>
+    <p:tnLst>
+      <p:par>
+        <p:cTn id="1" dur="indefinite" restart="never" nodeType="tmRoot">
+          <p:childTnLst>
+            <p:seq concurrent="1" nextAc="seek">
+              <p:cTn id="2" dur="indefinite" nodeType="mainSeq">
+                <p:childTnLst>
+                  <p:par>
+                    <p:cTn id="3" fill="hold">
+                      <p:stCondLst>
+                        <p:cond delay="indefinite"/>
+                      </p:stCondLst>
+                      <p:childTnLst>
+                        <p:par>
+                          <p:cTn id="4" fill="hold">
+                            <p:stCondLst>
+                              <p:cond delay="0"/>
+                            </p:stCondLst>
+                            <p:childTnLst>
+                              <p:par>
+                                <p:cTn id="5" presetID="2" presetClass="entr" presetSubtype="4" fill="hold" nodeType="clickEffect">
+                                  <p:stCondLst>
+                                    <p:cond delay="0"/>
+                                  </p:stCondLst>
+                                  <p:childTnLst>
+                                    <p:set>
+                                      <p:cBhvr>
+                                        <p:cTn id="6" dur="1" fill="hold">
+                                          <p:stCondLst>
+                                            <p:cond delay="0"/>
+                                          </p:stCondLst>
+                                        </p:cTn>
+                                        <p:tgtEl>
+                                          <p:spTgt spid="5"/>
+                                        </p:tgtEl>
+                                        <p:attrNameLst>
+                                          <p:attrName>style.visibility</p:attrName>
+                                        </p:attrNameLst>
+                                      </p:cBhvr>
+                                      <p:to>
+                                        <p:strVal val="visible"/>
+                                      </p:to>
+                                    </p:set>
+                                    <p:anim calcmode="lin" valueType="num">
+                                      <p:cBhvr additive="base">
+                                        <p:cTn id="7" dur="500" fill="hold"/>
+                                        <p:tgtEl>
+                                          <p:spTgt spid="5"/>
+                                        </p:tgtEl>
+                                        <p:attrNameLst>
+                                          <p:attrName>ppt_x</p:attrName>
+                                        </p:attrNameLst>
+                                      </p:cBhvr>
+                                      <p:tavLst>
+                                        <p:tav tm="0">
+                                          <p:val>
+                                            <p:strVal val="#ppt_x"/>
+                                          </p:val>
+                                        </p:tav>
+                                        <p:tav tm="100000">
+                                          <p:val>
+                                            <p:strVal val="#ppt_x"/>
+                                          </p:val>
+                                        </p:tav>
+                                      </p:tavLst>
+                                    </p:anim>
+                                    <p:anim calcmode="lin" valueType="num">
+                                      <p:cBhvr additive="base">
+                                        <p:cTn id="8" dur="500" fill="hold"/>
+                                        <p:tgtEl>
+                                          <p:spTgt spid="5"/>
+                                        </p:tgtEl>
+                                        <p:attrNameLst>
+                                          <p:attrName>ppt_y</p:attrName>
+                                        </p:attrNameLst>
+                                      </p:cBhvr>
+                                      <p:tavLst>
+                                        <p:tav tm="0">
+                                          <p:val>
+                                            <p:strVal val="1+#ppt_h/2"/>
+                                          </p:val>
+                                        </p:tav>
+                                        <p:tav tm="100000">
+                                          <p:val>
+                                            <p:strVal val="#ppt_y"/>
+                                          </p:val>
+                                        </p:tav>
+                                      </p:tavLst>
+                                    </p:anim>
+                                  </p:childTnLst>
+                                </p:cTn>
+                              </p:par>
+                            </p:childTnLst>
+                          </p:cTn>
+                        </p:par>
+                      </p:childTnLst>
+                    </p:cTn>
+                  </p:par>
+                </p:childTnLst>
+              </p:cTn>
+              <p:prevCondLst>
+                <p:cond evt="onPrev" delay="0">
+                  <p:tgtEl>
+                    <p:sldTgt/>
+                  </p:tgtEl>
+                </p:cond>
+              </p:prevCondLst>
+              <p:nextCondLst>
+                <p:cond evt="onNext" delay="0">
+                  <p:tgtEl>
+                    <p:sldTgt/>
+                  </p:tgtEl>
+                </p:cond>
+              </p:nextCondLst>
+            </p:seq>
+          </p:childTnLst>
+        </p:cTn>
+      </p:par>
+    </p:tnLst>
+  </p:timing>
 </p:sld>
 </file>
 
